--- a/Day 1/Day 1.pptx
+++ b/Day 1/Day 1.pptx
@@ -181,7 +181,7 @@
       </p14:sectionLst>
     </p:ext>
     <p:ext uri="{EFAFB233-063F-42B5-8137-9DF3F51BA10A}">
-      <p15:sldGuideLst xmlns="" xmlns:p15="http://schemas.microsoft.com/office/powerpoint/2012/main">
+      <p15:sldGuideLst xmlns:p15="http://schemas.microsoft.com/office/powerpoint/2012/main" xmlns="">
         <p15:guide id="1" orient="horz" pos="4579" userDrawn="1">
           <p15:clr>
             <a:srgbClr val="A4A3A4"/>
@@ -245,7 +245,7 @@
       </p15:sldGuideLst>
     </p:ext>
     <p:ext uri="{2D200454-40CA-4A62-9FC3-DE9A4176ACB9}">
-      <p15:notesGuideLst xmlns="" xmlns:p15="http://schemas.microsoft.com/office/powerpoint/2012/main">
+      <p15:notesGuideLst xmlns:p15="http://schemas.microsoft.com/office/powerpoint/2012/main" xmlns="">
         <p15:guide id="1" orient="horz" pos="2923">
           <p15:clr>
             <a:srgbClr val="A4A3A4"/>
@@ -259,7 +259,7 @@
       </p15:notesGuideLst>
     </p:ext>
     <p:ext uri="{50385BFA-195E-4E9F-9E8A-86900EEC6D5D}">
-      <p14:sectionPr xmlns="" xmlns:p14="http://schemas.microsoft.com/office/powerpoint/2007/7/12/main">
+      <p14:sectionPr xmlns:p14="http://schemas.microsoft.com/office/powerpoint/2007/7/12/main" xmlns="">
         <p14:section name="Default Section" slideIdLst="263 258" id="{F3A50AD0-1C96-4FFB-A588-4C2E07833EC5}"/>
         <p14:section name="Untitled Section" slideIdLst="259 260" id="{731A7D92-B090-44AE-BDF3-5EDBB7844CCD}"/>
         <p14:section name="Untitled Section" slideIdLst="261 262" id="{8A1131A8-562D-483F-B678-EACC5503E90B}"/>
@@ -2974,7 +2974,7 @@
             <a:pPr lvl="0"/>
             <a:r>
               <a:rPr lang="en-US" sz="600" dirty="0" smtClean="0"/>
-              <a:t>UBSPROD\t608113 [printed: ____] [saved: May 16, 2019 12:29 PM] P:\Documents\Teaching\Day 1\Day 1.pptx </a:t>
+              <a:t>UBSPROD\t608113 [printed: ____] [saved: May 20, 2019 5:06 PM] P:\Documents\Teaching\Day 1\Day 1.pptx </a:t>
             </a:r>
             <a:endParaRPr lang="en-US" sz="600" dirty="0" smtClean="0"/>
           </a:p>
@@ -4490,7 +4490,7 @@
             <a:pPr lvl="0"/>
             <a:r>
               <a:rPr lang="en-US" sz="600" dirty="0" smtClean="0"/>
-              <a:t>UBSPROD\t608113 [printed: ____] [saved: May 16, 2019 12:29 PM] P:\Documents\Teaching\Day 1\Day 1.pptx </a:t>
+              <a:t>UBSPROD\t608113 [printed: ____] [saved: May 20, 2019 5:06 PM] P:\Documents\Teaching\Day 1\Day 1.pptx </a:t>
             </a:r>
             <a:endParaRPr lang="en-US" sz="600" dirty="0" smtClean="0"/>
           </a:p>
@@ -6006,7 +6006,7 @@
             <a:pPr lvl="0"/>
             <a:r>
               <a:rPr lang="en-US" sz="600" dirty="0" smtClean="0"/>
-              <a:t>UBSPROD\t608113 [printed: ____] [saved: May 16, 2019 12:29 PM] P:\Documents\Teaching\Day 1\Day 1.pptx </a:t>
+              <a:t>UBSPROD\t608113 [printed: ____] [saved: May 20, 2019 5:06 PM] P:\Documents\Teaching\Day 1\Day 1.pptx </a:t>
             </a:r>
             <a:endParaRPr lang="en-US" sz="600" dirty="0" smtClean="0"/>
           </a:p>
@@ -8280,7 +8280,7 @@
             <a:pPr lvl="0"/>
             <a:r>
               <a:rPr lang="en-US" sz="600" dirty="0" smtClean="0"/>
-              <a:t>UBSPROD\t608113 [printed: ____] [saved: May 16, 2019 12:29 PM] P:\Documents\Teaching\Day 1\Day 1.pptx </a:t>
+              <a:t>UBSPROD\t608113 [printed: ____] [saved: May 20, 2019 5:06 PM] P:\Documents\Teaching\Day 1\Day 1.pptx </a:t>
             </a:r>
             <a:endParaRPr lang="en-US" sz="600" dirty="0" smtClean="0"/>
           </a:p>
@@ -8998,7 +8998,7 @@
             <a:pPr lvl="0"/>
             <a:r>
               <a:rPr lang="en-US" sz="600" dirty="0" smtClean="0"/>
-              <a:t>UBSPROD\t608113 [printed: ____] [saved: May 16, 2019 12:29 PM] P:\Documents\Teaching\Day 1\Day 1.pptx </a:t>
+              <a:t>UBSPROD\t608113 [printed: ____] [saved: May 20, 2019 5:06 PM] P:\Documents\Teaching\Day 1\Day 1.pptx </a:t>
             </a:r>
             <a:endParaRPr lang="en-US" sz="600" dirty="0" smtClean="0"/>
           </a:p>
@@ -9749,7 +9749,7 @@
             <a:pPr lvl="0"/>
             <a:r>
               <a:rPr lang="en-US" sz="600" dirty="0" smtClean="0"/>
-              <a:t>UBSPROD\t608113 [printed: ____] [saved: May 16, 2019 12:29 PM] P:\Documents\Teaching\Day 1\Day 1.pptx </a:t>
+              <a:t>UBSPROD\t608113 [printed: ____] [saved: May 20, 2019 5:06 PM] P:\Documents\Teaching\Day 1\Day 1.pptx </a:t>
             </a:r>
             <a:endParaRPr lang="en-US" sz="600" dirty="0" smtClean="0"/>
           </a:p>
@@ -10803,7 +10803,7 @@
             <a:pPr lvl="0"/>
             <a:r>
               <a:rPr lang="en-US" sz="600" dirty="0" smtClean="0"/>
-              <a:t>UBSPROD\t608113 [printed: ____] [saved: May 16, 2019 12:29 PM] P:\Documents\Teaching\Day 1\Day 1.pptx </a:t>
+              <a:t>UBSPROD\t608113 [printed: ____] [saved: May 20, 2019 5:06 PM] P:\Documents\Teaching\Day 1\Day 1.pptx </a:t>
             </a:r>
             <a:endParaRPr lang="en-US" sz="600" dirty="0" smtClean="0"/>
           </a:p>
@@ -11657,7 +11657,7 @@
             <a:pPr lvl="0"/>
             <a:r>
               <a:rPr lang="en-US" sz="600" dirty="0" smtClean="0"/>
-              <a:t>UBSPROD\t608113 [printed: ____] [saved: May 16, 2019 12:29 PM] P:\Documents\Teaching\Day 1\Day 1.pptx </a:t>
+              <a:t>UBSPROD\t608113 [printed: ____] [saved: May 20, 2019 5:06 PM] P:\Documents\Teaching\Day 1\Day 1.pptx </a:t>
             </a:r>
             <a:endParaRPr lang="en-US" sz="600" dirty="0" smtClean="0"/>
           </a:p>
@@ -12413,7 +12413,7 @@
             <a:pPr lvl="0"/>
             <a:r>
               <a:rPr lang="en-US" sz="600" dirty="0" smtClean="0"/>
-              <a:t>UBSPROD\t608113 [printed: ____] [saved: May 16, 2019 12:29 PM] P:\Documents\Teaching\Day 1\Day 1.pptx </a:t>
+              <a:t>UBSPROD\t608113 [printed: ____] [saved: May 20, 2019 5:06 PM] P:\Documents\Teaching\Day 1\Day 1.pptx </a:t>
             </a:r>
             <a:endParaRPr lang="en-US" sz="600" dirty="0" smtClean="0"/>
           </a:p>
@@ -13422,7 +13422,7 @@
             <a:pPr lvl="0"/>
             <a:r>
               <a:rPr lang="en-US" sz="600" dirty="0" smtClean="0"/>
-              <a:t>UBSPROD\t608113 [printed: ____] [saved: May 16, 2019 12:29 PM] P:\Documents\Teaching\Day 1\Day 1.pptx </a:t>
+              <a:t>UBSPROD\t608113 [printed: ____] [saved: May 20, 2019 5:06 PM] P:\Documents\Teaching\Day 1\Day 1.pptx </a:t>
             </a:r>
             <a:endParaRPr lang="en-US" sz="600" dirty="0" smtClean="0"/>
           </a:p>
@@ -14684,7 +14684,7 @@
             <a:pPr lvl="0"/>
             <a:r>
               <a:rPr lang="en-US" sz="600" dirty="0" smtClean="0"/>
-              <a:t>UBSPROD\t608113 [printed: ____] [saved: May 16, 2019 12:29 PM] P:\Documents\Teaching\Day 1\Day 1.pptx </a:t>
+              <a:t>UBSPROD\t608113 [printed: ____] [saved: May 20, 2019 5:06 PM] P:\Documents\Teaching\Day 1\Day 1.pptx </a:t>
             </a:r>
             <a:endParaRPr lang="en-US" sz="600" dirty="0" smtClean="0"/>
           </a:p>
@@ -15948,7 +15948,7 @@
             <a:pPr lvl="0"/>
             <a:r>
               <a:rPr lang="en-US" sz="600" dirty="0" smtClean="0"/>
-              <a:t>UBSPROD\t608113 [printed: ____] [saved: May 16, 2019 12:29 PM] P:\Documents\Teaching\Day 1\Day 1.pptx </a:t>
+              <a:t>UBSPROD\t608113 [printed: ____] [saved: May 20, 2019 5:06 PM] P:\Documents\Teaching\Day 1\Day 1.pptx </a:t>
             </a:r>
             <a:endParaRPr lang="en-US" sz="600" dirty="0" smtClean="0"/>
           </a:p>
@@ -17466,7 +17466,7 @@
             <a:pPr lvl="0"/>
             <a:r>
               <a:rPr lang="en-US" sz="600" dirty="0" smtClean="0"/>
-              <a:t>UBSPROD\t608113 [printed: ____] [saved: May 16, 2019 12:29 PM] P:\Documents\Teaching\Day 1\Day 1.pptx </a:t>
+              <a:t>UBSPROD\t608113 [printed: ____] [saved: May 20, 2019 5:06 PM] P:\Documents\Teaching\Day 1\Day 1.pptx </a:t>
             </a:r>
             <a:endParaRPr lang="en-US" sz="600" dirty="0" smtClean="0"/>
           </a:p>
@@ -18697,44 +18697,45 @@
             </a:br>
             <a:r>
               <a:rPr lang="pl-PL" dirty="0"/>
-              <a:t>or Terminal (OS/Unix)</a:t>
-            </a:r>
+              <a:t>or Terminal (OS/Unix</a:t>
+            </a:r>
+            <a:r>
+              <a:rPr lang="pl-PL" dirty="0" smtClean="0"/>
+              <a:t>)</a:t>
+            </a:r>
+            <a:endParaRPr lang="pl-PL" dirty="0"/>
           </a:p>
           <a:p>
             <a:pPr marL="514350" indent="-457200"/>
             <a:r>
+              <a:rPr lang="pl-PL" dirty="0" smtClean="0"/>
+              <a:t>Change directory by running:</a:t>
+            </a:r>
+            <a:br>
+              <a:rPr lang="pl-PL" dirty="0" smtClean="0"/>
+            </a:br>
+            <a:r>
+              <a:rPr lang="pl-PL" dirty="0" smtClean="0"/>
+              <a:t>cd {path_to_</a:t>
+            </a:r>
+            <a:r>
+              <a:rPr lang="en-US" dirty="0" err="1" smtClean="0"/>
+              <a:t>your_code</a:t>
+            </a:r>
+            <a:r>
+              <a:rPr lang="pl-PL" dirty="0" smtClean="0"/>
+              <a:t>}</a:t>
+            </a:r>
+          </a:p>
+          <a:p>
+            <a:pPr marL="514350" indent="-457200"/>
+            <a:r>
+              <a:rPr lang="pl-PL" dirty="0" smtClean="0"/>
+              <a:t>Run </a:t>
+            </a:r>
+            <a:r>
               <a:rPr lang="pl-PL" dirty="0"/>
-              <a:t>Change directory by running:</a:t>
-            </a:r>
-            <a:br>
-              <a:rPr lang="pl-PL" dirty="0"/>
-            </a:br>
-            <a:r>
-              <a:rPr lang="pl-PL" dirty="0"/>
-              <a:t>cd {</a:t>
-            </a:r>
-            <a:r>
-              <a:rPr lang="pl-PL" dirty="0" smtClean="0"/>
-              <a:t>path_to_</a:t>
-            </a:r>
-            <a:r>
-              <a:rPr lang="en-US" dirty="0" smtClean="0"/>
-              <a:t>Day</a:t>
-            </a:r>
-            <a:r>
-              <a:rPr lang="pl-PL" dirty="0" smtClean="0"/>
-              <a:t>_1</a:t>
-            </a:r>
-            <a:r>
-              <a:rPr lang="pl-PL" dirty="0"/>
-              <a:t>}</a:t>
-            </a:r>
-          </a:p>
-          <a:p>
-            <a:pPr marL="514350" indent="-457200"/>
-            <a:r>
-              <a:rPr lang="pl-PL" dirty="0"/>
-              <a:t>Run program:</a:t>
+              <a:t>program:</a:t>
             </a:r>
             <a:br>
               <a:rPr lang="pl-PL" dirty="0"/>
@@ -19025,8 +19026,39 @@
             </a:pPr>
             <a:r>
               <a:rPr lang="en-US" dirty="0" smtClean="0"/>
-              <a:t>		print("Hello World 10 times")</a:t>
-            </a:r>
+              <a:t>		print("Hello World 10 times</a:t>
+            </a:r>
+            <a:r>
+              <a:rPr lang="en-US" dirty="0" smtClean="0"/>
+              <a:t>")</a:t>
+            </a:r>
+          </a:p>
+          <a:p>
+            <a:pPr marL="688975" lvl="3" indent="0">
+              <a:buNone/>
+            </a:pPr>
+            <a:r>
+              <a:rPr lang="en-US" dirty="0"/>
+              <a:t>	</a:t>
+            </a:r>
+            <a:r>
+              <a:rPr lang="en-US" dirty="0" smtClean="0"/>
+              <a:t>	print("Hello")</a:t>
+            </a:r>
+          </a:p>
+          <a:p>
+            <a:pPr marL="688975" lvl="3" indent="0">
+              <a:buNone/>
+            </a:pPr>
+            <a:r>
+              <a:rPr lang="en-US" dirty="0"/>
+              <a:t> </a:t>
+            </a:r>
+            <a:r>
+              <a:rPr lang="en-US" dirty="0" smtClean="0"/>
+              <a:t>     print("world")</a:t>
+            </a:r>
+            <a:endParaRPr lang="en-US" dirty="0" smtClean="0"/>
           </a:p>
           <a:p>
             <a:pPr lvl="2"/>
@@ -19335,11 +19367,7 @@
             </a:r>
             <a:r>
               <a:rPr lang="pl-PL" dirty="0" smtClean="0"/>
-              <a:t> – </a:t>
-            </a:r>
-            <a:r>
-              <a:rPr lang="pl-PL" dirty="0" smtClean="0"/>
-              <a:t>r</a:t>
+              <a:t> – r</a:t>
             </a:r>
             <a:r>
               <a:rPr lang="en-US" dirty="0" smtClean="0"/>
@@ -20035,16 +20063,37 @@
           <a:p>
             <a:r>
               <a:rPr lang="en-US" altLang="en-US" dirty="0"/>
-              <a:t>Python is instead directly </a:t>
-            </a:r>
-            <a:r>
-              <a:rPr lang="en-US" altLang="en-US" i="1" dirty="0"/>
+              <a:t>Python is </a:t>
+            </a:r>
+            <a:r>
+              <a:rPr lang="en-US" altLang="en-US" dirty="0" smtClean="0"/>
+              <a:t>a hybrid of </a:t>
+            </a:r>
+            <a:r>
+              <a:rPr lang="en-US" altLang="en-US" i="1" dirty="0" smtClean="0"/>
+              <a:t>byte-</a:t>
+            </a:r>
+            <a:r>
+              <a:rPr lang="en-US" altLang="en-US" i="1" dirty="0" smtClean="0"/>
+              <a:t>code </a:t>
+            </a:r>
+            <a:r>
+              <a:rPr lang="en-US" altLang="en-US" i="1" dirty="0" smtClean="0"/>
               <a:t>interpreted </a:t>
             </a:r>
             <a:r>
-              <a:rPr lang="en-US" altLang="en-US" dirty="0"/>
-              <a:t>into machine instructions.</a:t>
-            </a:r>
+              <a:rPr lang="en-US" altLang="en-US" dirty="0" smtClean="0"/>
+              <a:t>and/or </a:t>
+            </a:r>
+            <a:r>
+              <a:rPr lang="en-US" altLang="en-US" i="1" dirty="0" smtClean="0"/>
+              <a:t>compiled </a:t>
+            </a:r>
+            <a:r>
+              <a:rPr lang="en-US" altLang="en-US" dirty="0" smtClean="0"/>
+              <a:t>language.</a:t>
+            </a:r>
+            <a:endParaRPr lang="en-US" altLang="en-US" dirty="0"/>
           </a:p>
           <a:p>
             <a:endParaRPr lang="en-US" dirty="0"/>
@@ -24034,6 +24083,204 @@
           </p:spPr>
         </p:pic>
       </p:grpSp>
+      <p:sp>
+        <p:nvSpPr>
+          <p:cNvPr id="30" name="Freeform 29"/>
+          <p:cNvSpPr/>
+          <p:nvPr/>
+        </p:nvSpPr>
+        <p:spPr>
+          <a:xfrm>
+            <a:off x="8162925" y="3676650"/>
+            <a:ext cx="2685076" cy="2752725"/>
+          </a:xfrm>
+          <a:custGeom>
+            <a:avLst/>
+            <a:gdLst>
+              <a:gd name="connsiteX0" fmla="*/ 1543050 w 2685076"/>
+              <a:gd name="connsiteY0" fmla="*/ 0 h 2752725"/>
+              <a:gd name="connsiteX1" fmla="*/ 2628900 w 2685076"/>
+              <a:gd name="connsiteY1" fmla="*/ 1447800 h 2752725"/>
+              <a:gd name="connsiteX2" fmla="*/ 0 w 2685076"/>
+              <a:gd name="connsiteY2" fmla="*/ 2752725 h 2752725"/>
+            </a:gdLst>
+            <a:ahLst/>
+            <a:cxnLst>
+              <a:cxn ang="0">
+                <a:pos x="connsiteX0" y="connsiteY0"/>
+              </a:cxn>
+              <a:cxn ang="0">
+                <a:pos x="connsiteX1" y="connsiteY1"/>
+              </a:cxn>
+              <a:cxn ang="0">
+                <a:pos x="connsiteX2" y="connsiteY2"/>
+              </a:cxn>
+            </a:cxnLst>
+            <a:rect l="l" t="t" r="r" b="b"/>
+            <a:pathLst>
+              <a:path w="2685076" h="2752725">
+                <a:moveTo>
+                  <a:pt x="1543050" y="0"/>
+                </a:moveTo>
+                <a:cubicBezTo>
+                  <a:pt x="2214562" y="494506"/>
+                  <a:pt x="2886075" y="989013"/>
+                  <a:pt x="2628900" y="1447800"/>
+                </a:cubicBezTo>
+                <a:cubicBezTo>
+                  <a:pt x="2371725" y="1906588"/>
+                  <a:pt x="203200" y="2635250"/>
+                  <a:pt x="0" y="2752725"/>
+                </a:cubicBezTo>
+              </a:path>
+            </a:pathLst>
+          </a:custGeom>
+          <a:noFill/>
+          <a:ln w="19050">
+            <a:solidFill>
+              <a:srgbClr val="7B7D80"/>
+            </a:solidFill>
+          </a:ln>
+        </p:spPr>
+        <p:style>
+          <a:lnRef idx="2">
+            <a:schemeClr val="accent1">
+              <a:shade val="50000"/>
+            </a:schemeClr>
+          </a:lnRef>
+          <a:fillRef idx="1">
+            <a:schemeClr val="accent1"/>
+          </a:fillRef>
+          <a:effectRef idx="0">
+            <a:schemeClr val="accent1"/>
+          </a:effectRef>
+          <a:fontRef idx="minor">
+            <a:schemeClr val="lt1"/>
+          </a:fontRef>
+        </p:style>
+        <p:txBody>
+          <a:bodyPr rtlCol="0" anchor="ctr"/>
+          <a:lstStyle/>
+          <a:p>
+            <a:pPr algn="ctr"/>
+            <a:endParaRPr lang="en-US"/>
+          </a:p>
+        </p:txBody>
+      </p:sp>
+      <p:sp>
+        <p:nvSpPr>
+          <p:cNvPr id="32" name="Freeform 31"/>
+          <p:cNvSpPr/>
+          <p:nvPr/>
+        </p:nvSpPr>
+        <p:spPr>
+          <a:xfrm>
+            <a:off x="10839450" y="4772025"/>
+            <a:ext cx="828675" cy="104775"/>
+          </a:xfrm>
+          <a:custGeom>
+            <a:avLst/>
+            <a:gdLst>
+              <a:gd name="connsiteX0" fmla="*/ 0 w 828675"/>
+              <a:gd name="connsiteY0" fmla="*/ 104775 h 104775"/>
+              <a:gd name="connsiteX1" fmla="*/ 371475 w 828675"/>
+              <a:gd name="connsiteY1" fmla="*/ 0 h 104775"/>
+              <a:gd name="connsiteX2" fmla="*/ 828675 w 828675"/>
+              <a:gd name="connsiteY2" fmla="*/ 104775 h 104775"/>
+            </a:gdLst>
+            <a:ahLst/>
+            <a:cxnLst>
+              <a:cxn ang="0">
+                <a:pos x="connsiteX0" y="connsiteY0"/>
+              </a:cxn>
+              <a:cxn ang="0">
+                <a:pos x="connsiteX1" y="connsiteY1"/>
+              </a:cxn>
+              <a:cxn ang="0">
+                <a:pos x="connsiteX2" y="connsiteY2"/>
+              </a:cxn>
+            </a:cxnLst>
+            <a:rect l="l" t="t" r="r" b="b"/>
+            <a:pathLst>
+              <a:path w="828675" h="104775">
+                <a:moveTo>
+                  <a:pt x="0" y="104775"/>
+                </a:moveTo>
+                <a:cubicBezTo>
+                  <a:pt x="116681" y="52387"/>
+                  <a:pt x="233363" y="0"/>
+                  <a:pt x="371475" y="0"/>
+                </a:cubicBezTo>
+                <a:cubicBezTo>
+                  <a:pt x="509587" y="0"/>
+                  <a:pt x="669131" y="52387"/>
+                  <a:pt x="828675" y="104775"/>
+                </a:cubicBezTo>
+              </a:path>
+            </a:pathLst>
+          </a:custGeom>
+          <a:noFill/>
+          <a:ln w="19050">
+            <a:solidFill>
+              <a:srgbClr val="7B7D80"/>
+            </a:solidFill>
+          </a:ln>
+        </p:spPr>
+        <p:style>
+          <a:lnRef idx="2">
+            <a:schemeClr val="accent1">
+              <a:shade val="50000"/>
+            </a:schemeClr>
+          </a:lnRef>
+          <a:fillRef idx="1">
+            <a:schemeClr val="accent1"/>
+          </a:fillRef>
+          <a:effectRef idx="0">
+            <a:schemeClr val="accent1"/>
+          </a:effectRef>
+          <a:fontRef idx="minor">
+            <a:schemeClr val="lt1"/>
+          </a:fontRef>
+        </p:style>
+        <p:txBody>
+          <a:bodyPr rtlCol="0" anchor="ctr"/>
+          <a:lstStyle/>
+          <a:p>
+            <a:pPr algn="ctr"/>
+            <a:endParaRPr lang="en-US"/>
+          </a:p>
+        </p:txBody>
+      </p:sp>
+      <p:sp>
+        <p:nvSpPr>
+          <p:cNvPr id="33" name="TextBox 32"/>
+          <p:cNvSpPr txBox="1"/>
+          <p:nvPr/>
+        </p:nvSpPr>
+        <p:spPr>
+          <a:xfrm>
+            <a:off x="11668125" y="4772025"/>
+            <a:ext cx="771525" cy="276225"/>
+          </a:xfrm>
+          <a:prstGeom prst="rect">
+            <a:avLst/>
+          </a:prstGeom>
+          <a:noFill/>
+        </p:spPr>
+        <p:txBody>
+          <a:bodyPr wrap="none" lIns="0" tIns="0" rIns="0" bIns="0" rtlCol="0">
+            <a:noAutofit/>
+          </a:bodyPr>
+          <a:lstStyle/>
+          <a:p>
+            <a:r>
+              <a:rPr lang="en-US" dirty="0" smtClean="0"/>
+              <a:t>Hybrid</a:t>
+            </a:r>
+            <a:endParaRPr lang="en-US" dirty="0"/>
+          </a:p>
+        </p:txBody>
+      </p:sp>
     </p:spTree>
     <p:custDataLst>
       <p:tags r:id="rId1"/>
@@ -24742,7 +24989,23 @@
           <a:p>
             <a:r>
               <a:rPr lang="pl-PL" dirty="0"/>
-              <a:t>print('Hello', 'word', sep='_')</a:t>
+              <a:t>print('Hello', </a:t>
+            </a:r>
+            <a:r>
+              <a:rPr lang="pl-PL" dirty="0" smtClean="0"/>
+              <a:t>'wor</a:t>
+            </a:r>
+            <a:r>
+              <a:rPr lang="en-US" dirty="0" smtClean="0"/>
+              <a:t>l</a:t>
+            </a:r>
+            <a:r>
+              <a:rPr lang="pl-PL" dirty="0" smtClean="0"/>
+              <a:t>d</a:t>
+            </a:r>
+            <a:r>
+              <a:rPr lang="pl-PL" dirty="0"/>
+              <a:t>', sep='_')</a:t>
             </a:r>
             <a:br>
               <a:rPr lang="pl-PL" dirty="0"/>
@@ -24773,6 +25036,16 @@
             </a:r>
           </a:p>
           <a:p>
+            <a:r>
+              <a:rPr lang="en-US" dirty="0" smtClean="0"/>
+              <a:t>My name is \r </a:t>
+            </a:r>
+          </a:p>
+          <a:p>
+            <a:r>
+              <a:rPr lang="en-US" dirty="0" smtClean="0"/>
+              <a:t>"Pratik"</a:t>
+            </a:r>
             <a:endParaRPr lang="en-US" dirty="0"/>
           </a:p>
         </p:txBody>
@@ -24835,8 +25108,6 @@
   <p:tag name="SANS SERIF FONT" val="Frutiger 55 Roman"/>
   <p:tag name="LANGUAGE ID" val="1033"/>
   <p:tag name="MOST RECENT UPGRADE" val="0"/>
-  <p:tag name="ASIANSANS SERIF FONT" val="DFPHei Std W3"/>
-  <p:tag name="ASIANSERIF FONT" val="MSung PRC Medium"/>
 </p:tagLst>
 </file>
 
@@ -26500,7 +26771,7 @@
   <a:extraClrSchemeLst/>
   <a:extLst>
     <a:ext uri="{05A4C25C-085E-4340-85A3-A5531E510DB2}">
-      <thm15:themeFamily xmlns="" xmlns:thm15="http://schemas.microsoft.com/office/thememl/2012/main" name="PresPrintOnScreen.potx" id="{B1CF8AA8-D6A7-41EF-9E90-0F39E6846CD9}" vid="{374E0768-1711-4036-89AA-A65302BE1F55}"/>
+      <thm15:themeFamily xmlns:thm15="http://schemas.microsoft.com/office/thememl/2012/main" xmlns="" name="PresPrintOnScreen.potx" id="{B1CF8AA8-D6A7-41EF-9E90-0F39E6846CD9}" vid="{374E0768-1711-4036-89AA-A65302BE1F55}"/>
     </a:ext>
   </a:extLst>
 </a:theme>

--- a/Day 1/Day 1.pptx
+++ b/Day 1/Day 1.pptx
@@ -181,7 +181,7 @@
       </p14:sectionLst>
     </p:ext>
     <p:ext uri="{EFAFB233-063F-42B5-8137-9DF3F51BA10A}">
-      <p15:sldGuideLst xmlns:p15="http://schemas.microsoft.com/office/powerpoint/2012/main" xmlns="">
+      <p15:sldGuideLst xmlns="" xmlns:p15="http://schemas.microsoft.com/office/powerpoint/2012/main">
         <p15:guide id="1" orient="horz" pos="4579" userDrawn="1">
           <p15:clr>
             <a:srgbClr val="A4A3A4"/>
@@ -245,7 +245,7 @@
       </p15:sldGuideLst>
     </p:ext>
     <p:ext uri="{2D200454-40CA-4A62-9FC3-DE9A4176ACB9}">
-      <p15:notesGuideLst xmlns:p15="http://schemas.microsoft.com/office/powerpoint/2012/main" xmlns="">
+      <p15:notesGuideLst xmlns="" xmlns:p15="http://schemas.microsoft.com/office/powerpoint/2012/main">
         <p15:guide id="1" orient="horz" pos="2923">
           <p15:clr>
             <a:srgbClr val="A4A3A4"/>
@@ -259,7 +259,7 @@
       </p15:notesGuideLst>
     </p:ext>
     <p:ext uri="{50385BFA-195E-4E9F-9E8A-86900EEC6D5D}">
-      <p14:sectionPr xmlns:p14="http://schemas.microsoft.com/office/powerpoint/2007/7/12/main" xmlns="">
+      <p14:sectionPr xmlns="" xmlns:p14="http://schemas.microsoft.com/office/powerpoint/2007/7/12/main">
         <p14:section name="Default Section" slideIdLst="263 258" id="{F3A50AD0-1C96-4FFB-A588-4C2E07833EC5}"/>
         <p14:section name="Untitled Section" slideIdLst="259 260" id="{731A7D92-B090-44AE-BDF3-5EDBB7844CCD}"/>
         <p14:section name="Untitled Section" slideIdLst="261 262" id="{8A1131A8-562D-483F-B678-EACC5503E90B}"/>
@@ -2973,10 +2973,34 @@
           <a:p>
             <a:pPr lvl="0"/>
             <a:r>
-              <a:rPr lang="en-US" sz="600" dirty="0" smtClean="0"/>
-              <a:t>UBSPROD\t608113 [printed: ____] [saved: May 20, 2019 5:06 PM] P:\Documents\Teaching\Day 1\Day 1.pptx </a:t>
-            </a:r>
-            <a:endParaRPr lang="en-US" sz="600" dirty="0" smtClean="0"/>
+              <a:rPr lang="de-CH" sz="600" dirty="0" smtClean="0"/>
+              <a:t>UBSPROD\</a:t>
+            </a:r>
+            <a:r>
+              <a:rPr lang="de-CH" sz="600" dirty="0" err="1" smtClean="0"/>
+              <a:t>hewitma</a:t>
+            </a:r>
+            <a:r>
+              <a:rPr lang="de-CH" sz="600" dirty="0" smtClean="0"/>
+              <a:t> [</a:t>
+            </a:r>
+            <a:r>
+              <a:rPr lang="de-CH" sz="600" dirty="0" err="1" smtClean="0"/>
+              <a:t>printed</a:t>
+            </a:r>
+            <a:r>
+              <a:rPr lang="de-CH" sz="600" dirty="0" smtClean="0"/>
+              <a:t>: ____] [</a:t>
+            </a:r>
+            <a:r>
+              <a:rPr lang="de-CH" sz="600" dirty="0" err="1" smtClean="0"/>
+              <a:t>saved</a:t>
+            </a:r>
+            <a:r>
+              <a:rPr lang="de-CH" sz="600" dirty="0" smtClean="0"/>
+              <a:t>: September 4, 2019 3:20 PM] C:\UBS\Dev\Projects\CodeRed-python-course\Day 1\Day 1.pptx </a:t>
+            </a:r>
+            <a:endParaRPr lang="de-CH" sz="600" dirty="0" smtClean="0"/>
           </a:p>
         </p:txBody>
       </p:sp>
@@ -4489,10 +4513,34 @@
           <a:p>
             <a:pPr lvl="0"/>
             <a:r>
-              <a:rPr lang="en-US" sz="600" dirty="0" smtClean="0"/>
-              <a:t>UBSPROD\t608113 [printed: ____] [saved: May 20, 2019 5:06 PM] P:\Documents\Teaching\Day 1\Day 1.pptx </a:t>
-            </a:r>
-            <a:endParaRPr lang="en-US" sz="600" dirty="0" smtClean="0"/>
+              <a:rPr lang="de-CH" sz="600" dirty="0" smtClean="0"/>
+              <a:t>UBSPROD\</a:t>
+            </a:r>
+            <a:r>
+              <a:rPr lang="de-CH" sz="600" dirty="0" err="1" smtClean="0"/>
+              <a:t>hewitma</a:t>
+            </a:r>
+            <a:r>
+              <a:rPr lang="de-CH" sz="600" dirty="0" smtClean="0"/>
+              <a:t> [</a:t>
+            </a:r>
+            <a:r>
+              <a:rPr lang="de-CH" sz="600" dirty="0" err="1" smtClean="0"/>
+              <a:t>printed</a:t>
+            </a:r>
+            <a:r>
+              <a:rPr lang="de-CH" sz="600" dirty="0" smtClean="0"/>
+              <a:t>: ____] [</a:t>
+            </a:r>
+            <a:r>
+              <a:rPr lang="de-CH" sz="600" dirty="0" err="1" smtClean="0"/>
+              <a:t>saved</a:t>
+            </a:r>
+            <a:r>
+              <a:rPr lang="de-CH" sz="600" dirty="0" smtClean="0"/>
+              <a:t>: September 4, 2019 3:20 PM] C:\UBS\Dev\Projects\CodeRed-python-course\Day 1\Day 1.pptx </a:t>
+            </a:r>
+            <a:endParaRPr lang="de-CH" sz="600" dirty="0" smtClean="0"/>
           </a:p>
         </p:txBody>
       </p:sp>
@@ -6005,10 +6053,34 @@
           <a:p>
             <a:pPr lvl="0"/>
             <a:r>
-              <a:rPr lang="en-US" sz="600" dirty="0" smtClean="0"/>
-              <a:t>UBSPROD\t608113 [printed: ____] [saved: May 20, 2019 5:06 PM] P:\Documents\Teaching\Day 1\Day 1.pptx </a:t>
-            </a:r>
-            <a:endParaRPr lang="en-US" sz="600" dirty="0" smtClean="0"/>
+              <a:rPr lang="de-CH" sz="600" dirty="0" smtClean="0"/>
+              <a:t>UBSPROD\</a:t>
+            </a:r>
+            <a:r>
+              <a:rPr lang="de-CH" sz="600" dirty="0" err="1" smtClean="0"/>
+              <a:t>hewitma</a:t>
+            </a:r>
+            <a:r>
+              <a:rPr lang="de-CH" sz="600" dirty="0" smtClean="0"/>
+              <a:t> [</a:t>
+            </a:r>
+            <a:r>
+              <a:rPr lang="de-CH" sz="600" dirty="0" err="1" smtClean="0"/>
+              <a:t>printed</a:t>
+            </a:r>
+            <a:r>
+              <a:rPr lang="de-CH" sz="600" dirty="0" smtClean="0"/>
+              <a:t>: ____] [</a:t>
+            </a:r>
+            <a:r>
+              <a:rPr lang="de-CH" sz="600" dirty="0" err="1" smtClean="0"/>
+              <a:t>saved</a:t>
+            </a:r>
+            <a:r>
+              <a:rPr lang="de-CH" sz="600" dirty="0" smtClean="0"/>
+              <a:t>: September 4, 2019 3:20 PM] C:\UBS\Dev\Projects\CodeRed-python-course\Day 1\Day 1.pptx </a:t>
+            </a:r>
+            <a:endParaRPr lang="de-CH" sz="600" dirty="0" smtClean="0"/>
           </a:p>
         </p:txBody>
       </p:sp>
@@ -8279,10 +8351,34 @@
           <a:p>
             <a:pPr lvl="0"/>
             <a:r>
-              <a:rPr lang="en-US" sz="600" dirty="0" smtClean="0"/>
-              <a:t>UBSPROD\t608113 [printed: ____] [saved: May 20, 2019 5:06 PM] P:\Documents\Teaching\Day 1\Day 1.pptx </a:t>
-            </a:r>
-            <a:endParaRPr lang="en-US" sz="600" dirty="0" smtClean="0"/>
+              <a:rPr lang="de-CH" sz="600" dirty="0" smtClean="0"/>
+              <a:t>UBSPROD\</a:t>
+            </a:r>
+            <a:r>
+              <a:rPr lang="de-CH" sz="600" dirty="0" err="1" smtClean="0"/>
+              <a:t>hewitma</a:t>
+            </a:r>
+            <a:r>
+              <a:rPr lang="de-CH" sz="600" dirty="0" smtClean="0"/>
+              <a:t> [</a:t>
+            </a:r>
+            <a:r>
+              <a:rPr lang="de-CH" sz="600" dirty="0" err="1" smtClean="0"/>
+              <a:t>printed</a:t>
+            </a:r>
+            <a:r>
+              <a:rPr lang="de-CH" sz="600" dirty="0" smtClean="0"/>
+              <a:t>: ____] [</a:t>
+            </a:r>
+            <a:r>
+              <a:rPr lang="de-CH" sz="600" dirty="0" err="1" smtClean="0"/>
+              <a:t>saved</a:t>
+            </a:r>
+            <a:r>
+              <a:rPr lang="de-CH" sz="600" dirty="0" smtClean="0"/>
+              <a:t>: September 4, 2019 3:20 PM] C:\UBS\Dev\Projects\CodeRed-python-course\Day 1\Day 1.pptx </a:t>
+            </a:r>
+            <a:endParaRPr lang="de-CH" sz="600" dirty="0" smtClean="0"/>
           </a:p>
         </p:txBody>
       </p:sp>
@@ -8997,10 +9093,34 @@
           <a:p>
             <a:pPr lvl="0"/>
             <a:r>
-              <a:rPr lang="en-US" sz="600" dirty="0" smtClean="0"/>
-              <a:t>UBSPROD\t608113 [printed: ____] [saved: May 20, 2019 5:06 PM] P:\Documents\Teaching\Day 1\Day 1.pptx </a:t>
-            </a:r>
-            <a:endParaRPr lang="en-US" sz="600" dirty="0" smtClean="0"/>
+              <a:rPr lang="de-CH" sz="600" dirty="0" smtClean="0"/>
+              <a:t>UBSPROD\</a:t>
+            </a:r>
+            <a:r>
+              <a:rPr lang="de-CH" sz="600" dirty="0" err="1" smtClean="0"/>
+              <a:t>hewitma</a:t>
+            </a:r>
+            <a:r>
+              <a:rPr lang="de-CH" sz="600" dirty="0" smtClean="0"/>
+              <a:t> [</a:t>
+            </a:r>
+            <a:r>
+              <a:rPr lang="de-CH" sz="600" dirty="0" err="1" smtClean="0"/>
+              <a:t>printed</a:t>
+            </a:r>
+            <a:r>
+              <a:rPr lang="de-CH" sz="600" dirty="0" smtClean="0"/>
+              <a:t>: ____] [</a:t>
+            </a:r>
+            <a:r>
+              <a:rPr lang="de-CH" sz="600" dirty="0" err="1" smtClean="0"/>
+              <a:t>saved</a:t>
+            </a:r>
+            <a:r>
+              <a:rPr lang="de-CH" sz="600" dirty="0" smtClean="0"/>
+              <a:t>: September 4, 2019 3:20 PM] C:\UBS\Dev\Projects\CodeRed-python-course\Day 1\Day 1.pptx </a:t>
+            </a:r>
+            <a:endParaRPr lang="de-CH" sz="600" dirty="0" smtClean="0"/>
           </a:p>
         </p:txBody>
       </p:sp>
@@ -9748,10 +9868,34 @@
           <a:p>
             <a:pPr lvl="0"/>
             <a:r>
-              <a:rPr lang="en-US" sz="600" dirty="0" smtClean="0"/>
-              <a:t>UBSPROD\t608113 [printed: ____] [saved: May 20, 2019 5:06 PM] P:\Documents\Teaching\Day 1\Day 1.pptx </a:t>
-            </a:r>
-            <a:endParaRPr lang="en-US" sz="600" dirty="0" smtClean="0"/>
+              <a:rPr lang="de-CH" sz="600" dirty="0" smtClean="0"/>
+              <a:t>UBSPROD\</a:t>
+            </a:r>
+            <a:r>
+              <a:rPr lang="de-CH" sz="600" dirty="0" err="1" smtClean="0"/>
+              <a:t>hewitma</a:t>
+            </a:r>
+            <a:r>
+              <a:rPr lang="de-CH" sz="600" dirty="0" smtClean="0"/>
+              <a:t> [</a:t>
+            </a:r>
+            <a:r>
+              <a:rPr lang="de-CH" sz="600" dirty="0" err="1" smtClean="0"/>
+              <a:t>printed</a:t>
+            </a:r>
+            <a:r>
+              <a:rPr lang="de-CH" sz="600" dirty="0" smtClean="0"/>
+              <a:t>: ____] [</a:t>
+            </a:r>
+            <a:r>
+              <a:rPr lang="de-CH" sz="600" dirty="0" err="1" smtClean="0"/>
+              <a:t>saved</a:t>
+            </a:r>
+            <a:r>
+              <a:rPr lang="de-CH" sz="600" dirty="0" smtClean="0"/>
+              <a:t>: September 4, 2019 3:20 PM] C:\UBS\Dev\Projects\CodeRed-python-course\Day 1\Day 1.pptx </a:t>
+            </a:r>
+            <a:endParaRPr lang="de-CH" sz="600" dirty="0" smtClean="0"/>
           </a:p>
         </p:txBody>
       </p:sp>
@@ -10802,10 +10946,34 @@
           <a:p>
             <a:pPr lvl="0"/>
             <a:r>
-              <a:rPr lang="en-US" sz="600" dirty="0" smtClean="0"/>
-              <a:t>UBSPROD\t608113 [printed: ____] [saved: May 20, 2019 5:06 PM] P:\Documents\Teaching\Day 1\Day 1.pptx </a:t>
-            </a:r>
-            <a:endParaRPr lang="en-US" sz="600" dirty="0" smtClean="0"/>
+              <a:rPr lang="de-CH" sz="600" dirty="0" smtClean="0"/>
+              <a:t>UBSPROD\</a:t>
+            </a:r>
+            <a:r>
+              <a:rPr lang="de-CH" sz="600" dirty="0" err="1" smtClean="0"/>
+              <a:t>hewitma</a:t>
+            </a:r>
+            <a:r>
+              <a:rPr lang="de-CH" sz="600" dirty="0" smtClean="0"/>
+              <a:t> [</a:t>
+            </a:r>
+            <a:r>
+              <a:rPr lang="de-CH" sz="600" dirty="0" err="1" smtClean="0"/>
+              <a:t>printed</a:t>
+            </a:r>
+            <a:r>
+              <a:rPr lang="de-CH" sz="600" dirty="0" smtClean="0"/>
+              <a:t>: ____] [</a:t>
+            </a:r>
+            <a:r>
+              <a:rPr lang="de-CH" sz="600" dirty="0" err="1" smtClean="0"/>
+              <a:t>saved</a:t>
+            </a:r>
+            <a:r>
+              <a:rPr lang="de-CH" sz="600" dirty="0" smtClean="0"/>
+              <a:t>: September 4, 2019 3:20 PM] C:\UBS\Dev\Projects\CodeRed-python-course\Day 1\Day 1.pptx </a:t>
+            </a:r>
+            <a:endParaRPr lang="de-CH" sz="600" dirty="0" smtClean="0"/>
           </a:p>
         </p:txBody>
       </p:sp>
@@ -11656,10 +11824,34 @@
           <a:p>
             <a:pPr lvl="0"/>
             <a:r>
-              <a:rPr lang="en-US" sz="600" dirty="0" smtClean="0"/>
-              <a:t>UBSPROD\t608113 [printed: ____] [saved: May 20, 2019 5:06 PM] P:\Documents\Teaching\Day 1\Day 1.pptx </a:t>
-            </a:r>
-            <a:endParaRPr lang="en-US" sz="600" dirty="0" smtClean="0"/>
+              <a:rPr lang="de-CH" sz="600" dirty="0" smtClean="0"/>
+              <a:t>UBSPROD\</a:t>
+            </a:r>
+            <a:r>
+              <a:rPr lang="de-CH" sz="600" dirty="0" err="1" smtClean="0"/>
+              <a:t>hewitma</a:t>
+            </a:r>
+            <a:r>
+              <a:rPr lang="de-CH" sz="600" dirty="0" smtClean="0"/>
+              <a:t> [</a:t>
+            </a:r>
+            <a:r>
+              <a:rPr lang="de-CH" sz="600" dirty="0" err="1" smtClean="0"/>
+              <a:t>printed</a:t>
+            </a:r>
+            <a:r>
+              <a:rPr lang="de-CH" sz="600" dirty="0" smtClean="0"/>
+              <a:t>: ____] [</a:t>
+            </a:r>
+            <a:r>
+              <a:rPr lang="de-CH" sz="600" dirty="0" err="1" smtClean="0"/>
+              <a:t>saved</a:t>
+            </a:r>
+            <a:r>
+              <a:rPr lang="de-CH" sz="600" dirty="0" smtClean="0"/>
+              <a:t>: September 4, 2019 3:20 PM] C:\UBS\Dev\Projects\CodeRed-python-course\Day 1\Day 1.pptx </a:t>
+            </a:r>
+            <a:endParaRPr lang="de-CH" sz="600" dirty="0" smtClean="0"/>
           </a:p>
         </p:txBody>
       </p:sp>
@@ -12412,10 +12604,34 @@
           <a:p>
             <a:pPr lvl="0"/>
             <a:r>
-              <a:rPr lang="en-US" sz="600" dirty="0" smtClean="0"/>
-              <a:t>UBSPROD\t608113 [printed: ____] [saved: May 20, 2019 5:06 PM] P:\Documents\Teaching\Day 1\Day 1.pptx </a:t>
-            </a:r>
-            <a:endParaRPr lang="en-US" sz="600" dirty="0" smtClean="0"/>
+              <a:rPr lang="de-CH" sz="600" dirty="0" smtClean="0"/>
+              <a:t>UBSPROD\</a:t>
+            </a:r>
+            <a:r>
+              <a:rPr lang="de-CH" sz="600" dirty="0" err="1" smtClean="0"/>
+              <a:t>hewitma</a:t>
+            </a:r>
+            <a:r>
+              <a:rPr lang="de-CH" sz="600" dirty="0" smtClean="0"/>
+              <a:t> [</a:t>
+            </a:r>
+            <a:r>
+              <a:rPr lang="de-CH" sz="600" dirty="0" err="1" smtClean="0"/>
+              <a:t>printed</a:t>
+            </a:r>
+            <a:r>
+              <a:rPr lang="de-CH" sz="600" dirty="0" smtClean="0"/>
+              <a:t>: ____] [</a:t>
+            </a:r>
+            <a:r>
+              <a:rPr lang="de-CH" sz="600" dirty="0" err="1" smtClean="0"/>
+              <a:t>saved</a:t>
+            </a:r>
+            <a:r>
+              <a:rPr lang="de-CH" sz="600" dirty="0" smtClean="0"/>
+              <a:t>: September 4, 2019 3:20 PM] C:\UBS\Dev\Projects\CodeRed-python-course\Day 1\Day 1.pptx </a:t>
+            </a:r>
+            <a:endParaRPr lang="de-CH" sz="600" dirty="0" smtClean="0"/>
           </a:p>
         </p:txBody>
       </p:sp>
@@ -13421,10 +13637,34 @@
           <a:p>
             <a:pPr lvl="0"/>
             <a:r>
-              <a:rPr lang="en-US" sz="600" dirty="0" smtClean="0"/>
-              <a:t>UBSPROD\t608113 [printed: ____] [saved: May 20, 2019 5:06 PM] P:\Documents\Teaching\Day 1\Day 1.pptx </a:t>
-            </a:r>
-            <a:endParaRPr lang="en-US" sz="600" dirty="0" smtClean="0"/>
+              <a:rPr lang="de-CH" sz="600" dirty="0" smtClean="0"/>
+              <a:t>UBSPROD\</a:t>
+            </a:r>
+            <a:r>
+              <a:rPr lang="de-CH" sz="600" dirty="0" err="1" smtClean="0"/>
+              <a:t>hewitma</a:t>
+            </a:r>
+            <a:r>
+              <a:rPr lang="de-CH" sz="600" dirty="0" smtClean="0"/>
+              <a:t> [</a:t>
+            </a:r>
+            <a:r>
+              <a:rPr lang="de-CH" sz="600" dirty="0" err="1" smtClean="0"/>
+              <a:t>printed</a:t>
+            </a:r>
+            <a:r>
+              <a:rPr lang="de-CH" sz="600" dirty="0" smtClean="0"/>
+              <a:t>: ____] [</a:t>
+            </a:r>
+            <a:r>
+              <a:rPr lang="de-CH" sz="600" dirty="0" err="1" smtClean="0"/>
+              <a:t>saved</a:t>
+            </a:r>
+            <a:r>
+              <a:rPr lang="de-CH" sz="600" dirty="0" smtClean="0"/>
+              <a:t>: September 4, 2019 3:20 PM] C:\UBS\Dev\Projects\CodeRed-python-course\Day 1\Day 1.pptx </a:t>
+            </a:r>
+            <a:endParaRPr lang="de-CH" sz="600" dirty="0" smtClean="0"/>
           </a:p>
         </p:txBody>
       </p:sp>
@@ -14683,10 +14923,34 @@
           <a:p>
             <a:pPr lvl="0"/>
             <a:r>
-              <a:rPr lang="en-US" sz="600" dirty="0" smtClean="0"/>
-              <a:t>UBSPROD\t608113 [printed: ____] [saved: May 20, 2019 5:06 PM] P:\Documents\Teaching\Day 1\Day 1.pptx </a:t>
-            </a:r>
-            <a:endParaRPr lang="en-US" sz="600" dirty="0" smtClean="0"/>
+              <a:rPr lang="de-CH" sz="600" dirty="0" smtClean="0"/>
+              <a:t>UBSPROD\</a:t>
+            </a:r>
+            <a:r>
+              <a:rPr lang="de-CH" sz="600" dirty="0" err="1" smtClean="0"/>
+              <a:t>hewitma</a:t>
+            </a:r>
+            <a:r>
+              <a:rPr lang="de-CH" sz="600" dirty="0" smtClean="0"/>
+              <a:t> [</a:t>
+            </a:r>
+            <a:r>
+              <a:rPr lang="de-CH" sz="600" dirty="0" err="1" smtClean="0"/>
+              <a:t>printed</a:t>
+            </a:r>
+            <a:r>
+              <a:rPr lang="de-CH" sz="600" dirty="0" smtClean="0"/>
+              <a:t>: ____] [</a:t>
+            </a:r>
+            <a:r>
+              <a:rPr lang="de-CH" sz="600" dirty="0" err="1" smtClean="0"/>
+              <a:t>saved</a:t>
+            </a:r>
+            <a:r>
+              <a:rPr lang="de-CH" sz="600" dirty="0" smtClean="0"/>
+              <a:t>: September 4, 2019 3:20 PM] C:\UBS\Dev\Projects\CodeRed-python-course\Day 1\Day 1.pptx </a:t>
+            </a:r>
+            <a:endParaRPr lang="de-CH" sz="600" dirty="0" smtClean="0"/>
           </a:p>
         </p:txBody>
       </p:sp>
@@ -15947,10 +16211,34 @@
           <a:p>
             <a:pPr lvl="0"/>
             <a:r>
-              <a:rPr lang="en-US" sz="600" dirty="0" smtClean="0"/>
-              <a:t>UBSPROD\t608113 [printed: ____] [saved: May 20, 2019 5:06 PM] P:\Documents\Teaching\Day 1\Day 1.pptx </a:t>
-            </a:r>
-            <a:endParaRPr lang="en-US" sz="600" dirty="0" smtClean="0"/>
+              <a:rPr lang="de-CH" sz="600" dirty="0" smtClean="0"/>
+              <a:t>UBSPROD\</a:t>
+            </a:r>
+            <a:r>
+              <a:rPr lang="de-CH" sz="600" dirty="0" err="1" smtClean="0"/>
+              <a:t>hewitma</a:t>
+            </a:r>
+            <a:r>
+              <a:rPr lang="de-CH" sz="600" dirty="0" smtClean="0"/>
+              <a:t> [</a:t>
+            </a:r>
+            <a:r>
+              <a:rPr lang="de-CH" sz="600" dirty="0" err="1" smtClean="0"/>
+              <a:t>printed</a:t>
+            </a:r>
+            <a:r>
+              <a:rPr lang="de-CH" sz="600" dirty="0" smtClean="0"/>
+              <a:t>: ____] [</a:t>
+            </a:r>
+            <a:r>
+              <a:rPr lang="de-CH" sz="600" dirty="0" err="1" smtClean="0"/>
+              <a:t>saved</a:t>
+            </a:r>
+            <a:r>
+              <a:rPr lang="de-CH" sz="600" dirty="0" smtClean="0"/>
+              <a:t>: September 4, 2019 3:20 PM] C:\UBS\Dev\Projects\CodeRed-python-course\Day 1\Day 1.pptx </a:t>
+            </a:r>
+            <a:endParaRPr lang="de-CH" sz="600" dirty="0" smtClean="0"/>
           </a:p>
         </p:txBody>
       </p:sp>
@@ -17465,10 +17753,34 @@
           <a:p>
             <a:pPr lvl="0"/>
             <a:r>
-              <a:rPr lang="en-US" sz="600" dirty="0" smtClean="0"/>
-              <a:t>UBSPROD\t608113 [printed: ____] [saved: May 20, 2019 5:06 PM] P:\Documents\Teaching\Day 1\Day 1.pptx </a:t>
-            </a:r>
-            <a:endParaRPr lang="en-US" sz="600" dirty="0" smtClean="0"/>
+              <a:rPr lang="de-CH" sz="600" dirty="0" smtClean="0"/>
+              <a:t>UBSPROD\</a:t>
+            </a:r>
+            <a:r>
+              <a:rPr lang="de-CH" sz="600" dirty="0" err="1" smtClean="0"/>
+              <a:t>hewitma</a:t>
+            </a:r>
+            <a:r>
+              <a:rPr lang="de-CH" sz="600" dirty="0" smtClean="0"/>
+              <a:t> [</a:t>
+            </a:r>
+            <a:r>
+              <a:rPr lang="de-CH" sz="600" dirty="0" err="1" smtClean="0"/>
+              <a:t>printed</a:t>
+            </a:r>
+            <a:r>
+              <a:rPr lang="de-CH" sz="600" dirty="0" smtClean="0"/>
+              <a:t>: ____] [</a:t>
+            </a:r>
+            <a:r>
+              <a:rPr lang="de-CH" sz="600" dirty="0" err="1" smtClean="0"/>
+              <a:t>saved</a:t>
+            </a:r>
+            <a:r>
+              <a:rPr lang="de-CH" sz="600" dirty="0" smtClean="0"/>
+              <a:t>: September 4, 2019 3:20 PM] C:\UBS\Dev\Projects\CodeRed-python-course\Day 1\Day 1.pptx </a:t>
+            </a:r>
+            <a:endParaRPr lang="de-CH" sz="600" dirty="0" smtClean="0"/>
           </a:p>
         </p:txBody>
       </p:sp>
@@ -19026,11 +19338,7 @@
             </a:pPr>
             <a:r>
               <a:rPr lang="en-US" dirty="0" smtClean="0"/>
-              <a:t>		print("Hello World 10 times</a:t>
-            </a:r>
-            <a:r>
-              <a:rPr lang="en-US" dirty="0" smtClean="0"/>
-              <a:t>")</a:t>
+              <a:t>		print("Hello World 10 times")</a:t>
             </a:r>
           </a:p>
           <a:p>
@@ -19058,7 +19366,6 @@
               <a:rPr lang="en-US" dirty="0" smtClean="0"/>
               <a:t>     print("world")</a:t>
             </a:r>
-            <a:endParaRPr lang="en-US" dirty="0" smtClean="0"/>
           </a:p>
           <a:p>
             <a:pPr lvl="2"/>
@@ -19236,8 +19543,8 @@
         </p:nvSpPr>
         <p:spPr>
           <a:xfrm>
-            <a:off x="560567" y="1320801"/>
-            <a:ext cx="7502119" cy="5291138"/>
+            <a:off x="523875" y="1320801"/>
+            <a:ext cx="7538811" cy="5139033"/>
           </a:xfrm>
         </p:spPr>
         <p:txBody>
@@ -19767,7 +20074,23 @@
           <a:p>
             <a:r>
               <a:rPr lang="en-US" altLang="en-US" dirty="0"/>
-              <a:t>“Tried and true” language that has been in development since 1991</a:t>
+              <a:t>"</a:t>
+            </a:r>
+            <a:r>
+              <a:rPr lang="en-US" altLang="en-US" dirty="0" smtClean="0"/>
+              <a:t>Tried </a:t>
+            </a:r>
+            <a:r>
+              <a:rPr lang="en-US" altLang="en-US" dirty="0"/>
+              <a:t>and </a:t>
+            </a:r>
+            <a:r>
+              <a:rPr lang="en-US" altLang="en-US" dirty="0" smtClean="0"/>
+              <a:t>true" </a:t>
+            </a:r>
+            <a:r>
+              <a:rPr lang="en-US" altLang="en-US" dirty="0"/>
+              <a:t>language that has been in development since 1991</a:t>
             </a:r>
           </a:p>
           <a:p>
@@ -20071,15 +20394,7 @@
             </a:r>
             <a:r>
               <a:rPr lang="en-US" altLang="en-US" i="1" dirty="0" smtClean="0"/>
-              <a:t>byte-</a:t>
-            </a:r>
-            <a:r>
-              <a:rPr lang="en-US" altLang="en-US" i="1" dirty="0" smtClean="0"/>
-              <a:t>code </a:t>
-            </a:r>
-            <a:r>
-              <a:rPr lang="en-US" altLang="en-US" i="1" dirty="0" smtClean="0"/>
-              <a:t>interpreted </a:t>
+              <a:t>byte-code interpreted </a:t>
             </a:r>
             <a:r>
               <a:rPr lang="en-US" altLang="en-US" dirty="0" smtClean="0"/>
@@ -26771,7 +27086,7 @@
   <a:extraClrSchemeLst/>
   <a:extLst>
     <a:ext uri="{05A4C25C-085E-4340-85A3-A5531E510DB2}">
-      <thm15:themeFamily xmlns:thm15="http://schemas.microsoft.com/office/thememl/2012/main" xmlns="" name="PresPrintOnScreen.potx" id="{B1CF8AA8-D6A7-41EF-9E90-0F39E6846CD9}" vid="{374E0768-1711-4036-89AA-A65302BE1F55}"/>
+      <thm15:themeFamily xmlns="" xmlns:thm15="http://schemas.microsoft.com/office/thememl/2012/main" name="PresPrintOnScreen.potx" id="{B1CF8AA8-D6A7-41EF-9E90-0F39E6846CD9}" vid="{374E0768-1711-4036-89AA-A65302BE1F55}"/>
     </a:ext>
   </a:extLst>
 </a:theme>
